--- a/十大易用性_賴威錩_戴碩廷_郭家佑.pptx
+++ b/十大易用性_賴威錩_戴碩廷_郭家佑.pptx
@@ -8,6 +8,8 @@
     <p:sldId id="259" r:id="rId2"/>
     <p:sldId id="256" r:id="rId3"/>
     <p:sldId id="257" r:id="rId4"/>
+    <p:sldId id="260" r:id="rId5"/>
+    <p:sldId id="261" r:id="rId6"/>
   </p:sldIdLst>
   <p:sldSz cx="12192000" cy="6858000"/>
   <p:notesSz cx="6858000" cy="9144000"/>
@@ -3003,7 +3005,11 @@
             </a:r>
             <a:r>
               <a:rPr lang="zh-TW" altLang="en-US" dirty="0" smtClean="0"/>
-              <a:t>十大易用性</a:t>
+              <a:t>十大</a:t>
+            </a:r>
+            <a:r>
+              <a:rPr lang="zh-TW" altLang="en-US" dirty="0" smtClean="0"/>
+              <a:t>易用性</a:t>
             </a:r>
             <a:endParaRPr lang="zh-TW" altLang="en-US" dirty="0"/>
           </a:p>
@@ -3422,11 +3428,7 @@
           <a:p>
             <a:r>
               <a:rPr lang="zh-TW" altLang="en-US" dirty="0" smtClean="0"/>
-              <a:t>首頁公告</a:t>
-            </a:r>
-            <a:r>
-              <a:rPr lang="zh-TW" altLang="en-US" dirty="0" smtClean="0"/>
-              <a:t>區的按鈕不明顯</a:t>
+              <a:t>首頁公告區的按鈕不明顯</a:t>
             </a:r>
             <a:endParaRPr lang="zh-TW" altLang="en-US" dirty="0"/>
           </a:p>
@@ -3473,6 +3475,335 @@
     <p:extLst>
       <p:ext uri="{BB962C8B-B14F-4D97-AF65-F5344CB8AC3E}">
         <p14:creationId xmlns:p14="http://schemas.microsoft.com/office/powerpoint/2010/main" val="3637612832"/>
+      </p:ext>
+    </p:extLst>
+  </p:cSld>
+  <p:clrMapOvr>
+    <a:masterClrMapping/>
+  </p:clrMapOvr>
+</p:sld>
+</file>
+
+<file path=ppt/slides/slide4.xml><?xml version="1.0" encoding="utf-8"?>
+<p:sld xmlns:a="http://schemas.openxmlformats.org/drawingml/2006/main" xmlns:r="http://schemas.openxmlformats.org/officeDocument/2006/relationships" xmlns:p="http://schemas.openxmlformats.org/presentationml/2006/main">
+  <p:cSld>
+    <p:spTree>
+      <p:nvGrpSpPr>
+        <p:cNvPr id="1" name=""/>
+        <p:cNvGrpSpPr/>
+        <p:nvPr/>
+      </p:nvGrpSpPr>
+      <p:grpSpPr>
+        <a:xfrm>
+          <a:off x="0" y="0"/>
+          <a:ext cx="0" cy="0"/>
+          <a:chOff x="0" y="0"/>
+          <a:chExt cx="0" cy="0"/>
+        </a:xfrm>
+      </p:grpSpPr>
+      <p:pic>
+        <p:nvPicPr>
+          <p:cNvPr id="4" name="圖片 3"/>
+          <p:cNvPicPr>
+            <a:picLocks noChangeAspect="1"/>
+          </p:cNvPicPr>
+          <p:nvPr/>
+        </p:nvPicPr>
+        <p:blipFill rotWithShape="1">
+          <a:blip r:embed="rId2"/>
+          <a:srcRect b="46065"/>
+          <a:stretch/>
+        </p:blipFill>
+        <p:spPr>
+          <a:xfrm>
+            <a:off x="5820518" y="92458"/>
+            <a:ext cx="4629768" cy="1961973"/>
+          </a:xfrm>
+          <a:prstGeom prst="rect">
+            <a:avLst/>
+          </a:prstGeom>
+        </p:spPr>
+      </p:pic>
+      <p:sp>
+        <p:nvSpPr>
+          <p:cNvPr id="5" name="文字方塊 4"/>
+          <p:cNvSpPr txBox="1"/>
+          <p:nvPr/>
+        </p:nvSpPr>
+        <p:spPr>
+          <a:xfrm>
+            <a:off x="233992" y="665018"/>
+            <a:ext cx="5493812" cy="646331"/>
+          </a:xfrm>
+          <a:prstGeom prst="rect">
+            <a:avLst/>
+          </a:prstGeom>
+          <a:noFill/>
+        </p:spPr>
+        <p:txBody>
+          <a:bodyPr wrap="none" rtlCol="0">
+            <a:spAutoFit/>
+          </a:bodyPr>
+          <a:lstStyle/>
+          <a:p>
+            <a:r>
+              <a:rPr lang="zh-TW" altLang="en-US" dirty="0" smtClean="0">
+                <a:latin typeface="微軟正黑體" panose="020B0604030504040204" pitchFamily="34" charset="-120"/>
+                <a:ea typeface="微軟正黑體" panose="020B0604030504040204" pitchFamily="34" charset="-120"/>
+              </a:rPr>
+              <a:t>正常順序為選擇完菜色</a:t>
+            </a:r>
+            <a:r>
+              <a:rPr lang="en-US" altLang="zh-TW" dirty="0" smtClean="0">
+                <a:latin typeface="微軟正黑體" panose="020B0604030504040204" pitchFamily="34" charset="-120"/>
+                <a:ea typeface="微軟正黑體" panose="020B0604030504040204" pitchFamily="34" charset="-120"/>
+              </a:rPr>
+              <a:t>/</a:t>
+            </a:r>
+            <a:r>
+              <a:rPr lang="zh-TW" altLang="en-US" dirty="0" smtClean="0">
+                <a:latin typeface="微軟正黑體" panose="020B0604030504040204" pitchFamily="34" charset="-120"/>
+                <a:ea typeface="微軟正黑體" panose="020B0604030504040204" pitchFamily="34" charset="-120"/>
+              </a:rPr>
+              <a:t>份量後，新增選單</a:t>
+            </a:r>
+            <a:endParaRPr lang="en-US" altLang="zh-TW" dirty="0" smtClean="0">
+              <a:latin typeface="微軟正黑體" panose="020B0604030504040204" pitchFamily="34" charset="-120"/>
+              <a:ea typeface="微軟正黑體" panose="020B0604030504040204" pitchFamily="34" charset="-120"/>
+            </a:endParaRPr>
+          </a:p>
+          <a:p>
+            <a:r>
+              <a:rPr lang="zh-TW" altLang="en-US" dirty="0" smtClean="0">
+                <a:latin typeface="微軟正黑體" panose="020B0604030504040204" pitchFamily="34" charset="-120"/>
+                <a:ea typeface="微軟正黑體" panose="020B0604030504040204" pitchFamily="34" charset="-120"/>
+              </a:rPr>
+              <a:t>但若使用者先新增選單，會造成前面的選單使用困難</a:t>
+            </a:r>
+            <a:endParaRPr lang="zh-TW" altLang="en-US" dirty="0">
+              <a:latin typeface="微軟正黑體" panose="020B0604030504040204" pitchFamily="34" charset="-120"/>
+              <a:ea typeface="微軟正黑體" panose="020B0604030504040204" pitchFamily="34" charset="-120"/>
+            </a:endParaRPr>
+          </a:p>
+        </p:txBody>
+      </p:sp>
+      <p:sp>
+        <p:nvSpPr>
+          <p:cNvPr id="6" name="文字方塊 5"/>
+          <p:cNvSpPr txBox="1"/>
+          <p:nvPr/>
+        </p:nvSpPr>
+        <p:spPr>
+          <a:xfrm>
+            <a:off x="233992" y="3194463"/>
+            <a:ext cx="3877985" cy="646331"/>
+          </a:xfrm>
+          <a:prstGeom prst="rect">
+            <a:avLst/>
+          </a:prstGeom>
+          <a:noFill/>
+        </p:spPr>
+        <p:txBody>
+          <a:bodyPr wrap="none" rtlCol="0">
+            <a:spAutoFit/>
+          </a:bodyPr>
+          <a:lstStyle/>
+          <a:p>
+            <a:r>
+              <a:rPr lang="zh-TW" altLang="en-US" dirty="0" smtClean="0"/>
+              <a:t>解決方法：</a:t>
+            </a:r>
+            <a:endParaRPr lang="en-US" altLang="zh-TW" dirty="0" smtClean="0"/>
+          </a:p>
+          <a:p>
+            <a:r>
+              <a:rPr lang="zh-TW" altLang="en-US" dirty="0" smtClean="0"/>
+              <a:t>移除透明樣式、增加上方選單優先度</a:t>
+            </a:r>
+            <a:endParaRPr lang="zh-TW" altLang="en-US" dirty="0"/>
+          </a:p>
+        </p:txBody>
+      </p:sp>
+    </p:spTree>
+    <p:extLst>
+      <p:ext uri="{BB962C8B-B14F-4D97-AF65-F5344CB8AC3E}">
+        <p14:creationId xmlns:p14="http://schemas.microsoft.com/office/powerpoint/2010/main" val="1671232296"/>
+      </p:ext>
+    </p:extLst>
+  </p:cSld>
+  <p:clrMapOvr>
+    <a:masterClrMapping/>
+  </p:clrMapOvr>
+</p:sld>
+</file>
+
+<file path=ppt/slides/slide5.xml><?xml version="1.0" encoding="utf-8"?>
+<p:sld xmlns:a="http://schemas.openxmlformats.org/drawingml/2006/main" xmlns:r="http://schemas.openxmlformats.org/officeDocument/2006/relationships" xmlns:p="http://schemas.openxmlformats.org/presentationml/2006/main">
+  <p:cSld>
+    <p:spTree>
+      <p:nvGrpSpPr>
+        <p:cNvPr id="1" name=""/>
+        <p:cNvGrpSpPr/>
+        <p:nvPr/>
+      </p:nvGrpSpPr>
+      <p:grpSpPr>
+        <a:xfrm>
+          <a:off x="0" y="0"/>
+          <a:ext cx="0" cy="0"/>
+          <a:chOff x="0" y="0"/>
+          <a:chExt cx="0" cy="0"/>
+        </a:xfrm>
+      </p:grpSpPr>
+      <p:sp>
+        <p:nvSpPr>
+          <p:cNvPr id="5" name="文字方塊 4"/>
+          <p:cNvSpPr txBox="1"/>
+          <p:nvPr/>
+        </p:nvSpPr>
+        <p:spPr>
+          <a:xfrm>
+            <a:off x="641267" y="724395"/>
+            <a:ext cx="4570482" cy="646331"/>
+          </a:xfrm>
+          <a:prstGeom prst="rect">
+            <a:avLst/>
+          </a:prstGeom>
+          <a:noFill/>
+        </p:spPr>
+        <p:txBody>
+          <a:bodyPr wrap="none" rtlCol="0">
+            <a:spAutoFit/>
+          </a:bodyPr>
+          <a:lstStyle/>
+          <a:p>
+            <a:r>
+              <a:rPr lang="zh-TW" altLang="en-US" dirty="0" smtClean="0">
+                <a:latin typeface="微軟正黑體" panose="020B0604030504040204" pitchFamily="34" charset="-120"/>
+                <a:ea typeface="微軟正黑體" panose="020B0604030504040204" pitchFamily="34" charset="-120"/>
+              </a:rPr>
+              <a:t>欄位若填寫錯誤，送出後才會警告，且無法</a:t>
+            </a:r>
+            <a:endParaRPr lang="en-US" altLang="zh-TW" dirty="0" smtClean="0">
+              <a:latin typeface="微軟正黑體" panose="020B0604030504040204" pitchFamily="34" charset="-120"/>
+              <a:ea typeface="微軟正黑體" panose="020B0604030504040204" pitchFamily="34" charset="-120"/>
+            </a:endParaRPr>
+          </a:p>
+          <a:p>
+            <a:r>
+              <a:rPr lang="zh-TW" altLang="en-US" dirty="0" smtClean="0">
+                <a:latin typeface="微軟正黑體" panose="020B0604030504040204" pitchFamily="34" charset="-120"/>
+                <a:ea typeface="微軟正黑體" panose="020B0604030504040204" pitchFamily="34" charset="-120"/>
+              </a:rPr>
+              <a:t>讓使用者知道哪裡填錯</a:t>
+            </a:r>
+            <a:endParaRPr lang="en-US" altLang="zh-TW" dirty="0" smtClean="0">
+              <a:latin typeface="微軟正黑體" panose="020B0604030504040204" pitchFamily="34" charset="-120"/>
+              <a:ea typeface="微軟正黑體" panose="020B0604030504040204" pitchFamily="34" charset="-120"/>
+            </a:endParaRPr>
+          </a:p>
+        </p:txBody>
+      </p:sp>
+      <p:sp>
+        <p:nvSpPr>
+          <p:cNvPr id="6" name="文字方塊 5"/>
+          <p:cNvSpPr txBox="1"/>
+          <p:nvPr/>
+        </p:nvSpPr>
+        <p:spPr>
+          <a:xfrm>
+            <a:off x="641267" y="5095867"/>
+            <a:ext cx="2262158" cy="646331"/>
+          </a:xfrm>
+          <a:prstGeom prst="rect">
+            <a:avLst/>
+          </a:prstGeom>
+          <a:noFill/>
+        </p:spPr>
+        <p:txBody>
+          <a:bodyPr wrap="none" rtlCol="0">
+            <a:spAutoFit/>
+          </a:bodyPr>
+          <a:lstStyle/>
+          <a:p>
+            <a:r>
+              <a:rPr lang="zh-TW" altLang="en-US" dirty="0" smtClean="0">
+                <a:latin typeface="微軟正黑體" panose="020B0604030504040204" pitchFamily="34" charset="-120"/>
+                <a:ea typeface="微軟正黑體" panose="020B0604030504040204" pitchFamily="34" charset="-120"/>
+              </a:rPr>
+              <a:t>解決方法：</a:t>
+            </a:r>
+            <a:endParaRPr lang="en-US" altLang="zh-TW" dirty="0" smtClean="0">
+              <a:latin typeface="微軟正黑體" panose="020B0604030504040204" pitchFamily="34" charset="-120"/>
+              <a:ea typeface="微軟正黑體" panose="020B0604030504040204" pitchFamily="34" charset="-120"/>
+            </a:endParaRPr>
+          </a:p>
+          <a:p>
+            <a:r>
+              <a:rPr lang="zh-TW" altLang="en-US" dirty="0" smtClean="0">
+                <a:latin typeface="微軟正黑體" panose="020B0604030504040204" pitchFamily="34" charset="-120"/>
+                <a:ea typeface="微軟正黑體" panose="020B0604030504040204" pitchFamily="34" charset="-120"/>
+              </a:rPr>
+              <a:t>即時提醒的警示標語</a:t>
+            </a:r>
+            <a:endParaRPr lang="en-US" altLang="zh-TW" dirty="0" smtClean="0">
+              <a:latin typeface="微軟正黑體" panose="020B0604030504040204" pitchFamily="34" charset="-120"/>
+              <a:ea typeface="微軟正黑體" panose="020B0604030504040204" pitchFamily="34" charset="-120"/>
+            </a:endParaRPr>
+          </a:p>
+        </p:txBody>
+      </p:sp>
+      <p:pic>
+        <p:nvPicPr>
+          <p:cNvPr id="8" name="圖片 7"/>
+          <p:cNvPicPr>
+            <a:picLocks noChangeAspect="1"/>
+          </p:cNvPicPr>
+          <p:nvPr/>
+        </p:nvPicPr>
+        <p:blipFill>
+          <a:blip r:embed="rId2"/>
+          <a:stretch>
+            <a:fillRect/>
+          </a:stretch>
+        </p:blipFill>
+        <p:spPr>
+          <a:xfrm>
+            <a:off x="5211749" y="0"/>
+            <a:ext cx="4378621" cy="4123641"/>
+          </a:xfrm>
+          <a:prstGeom prst="rect">
+            <a:avLst/>
+          </a:prstGeom>
+        </p:spPr>
+      </p:pic>
+      <p:pic>
+        <p:nvPicPr>
+          <p:cNvPr id="9" name="圖片 8"/>
+          <p:cNvPicPr>
+            <a:picLocks noChangeAspect="1"/>
+          </p:cNvPicPr>
+          <p:nvPr/>
+        </p:nvPicPr>
+        <p:blipFill>
+          <a:blip r:embed="rId3"/>
+          <a:stretch>
+            <a:fillRect/>
+          </a:stretch>
+        </p:blipFill>
+        <p:spPr>
+          <a:xfrm>
+            <a:off x="5211749" y="5095867"/>
+            <a:ext cx="2857500" cy="1228725"/>
+          </a:xfrm>
+          <a:prstGeom prst="rect">
+            <a:avLst/>
+          </a:prstGeom>
+        </p:spPr>
+      </p:pic>
+    </p:spTree>
+    <p:extLst>
+      <p:ext uri="{BB962C8B-B14F-4D97-AF65-F5344CB8AC3E}">
+        <p14:creationId xmlns:p14="http://schemas.microsoft.com/office/powerpoint/2010/main" val="3592941848"/>
       </p:ext>
     </p:extLst>
   </p:cSld>

--- a/十大易用性_賴威錩_戴碩廷_郭家佑.pptx
+++ b/十大易用性_賴威錩_戴碩廷_郭家佑.pptx
@@ -10,6 +10,8 @@
     <p:sldId id="257" r:id="rId4"/>
     <p:sldId id="260" r:id="rId5"/>
     <p:sldId id="261" r:id="rId6"/>
+    <p:sldId id="262" r:id="rId7"/>
+    <p:sldId id="263" r:id="rId8"/>
   </p:sldIdLst>
   <p:sldSz cx="12192000" cy="6858000"/>
   <p:notesSz cx="6858000" cy="9144000"/>
@@ -247,7 +249,7 @@
           <a:p>
             <a:fld id="{D0D967F9-9B9B-4F1E-992F-0800AFF1A11B}" type="datetimeFigureOut">
               <a:rPr lang="zh-TW" altLang="en-US" smtClean="0"/>
-              <a:t>2019/4/30</a:t>
+              <a:t>2019/5/5</a:t>
             </a:fld>
             <a:endParaRPr lang="zh-TW" altLang="en-US"/>
           </a:p>
@@ -417,7 +419,7 @@
           <a:p>
             <a:fld id="{D0D967F9-9B9B-4F1E-992F-0800AFF1A11B}" type="datetimeFigureOut">
               <a:rPr lang="zh-TW" altLang="en-US" smtClean="0"/>
-              <a:t>2019/4/30</a:t>
+              <a:t>2019/5/5</a:t>
             </a:fld>
             <a:endParaRPr lang="zh-TW" altLang="en-US"/>
           </a:p>
@@ -597,7 +599,7 @@
           <a:p>
             <a:fld id="{D0D967F9-9B9B-4F1E-992F-0800AFF1A11B}" type="datetimeFigureOut">
               <a:rPr lang="zh-TW" altLang="en-US" smtClean="0"/>
-              <a:t>2019/4/30</a:t>
+              <a:t>2019/5/5</a:t>
             </a:fld>
             <a:endParaRPr lang="zh-TW" altLang="en-US"/>
           </a:p>
@@ -767,7 +769,7 @@
           <a:p>
             <a:fld id="{D0D967F9-9B9B-4F1E-992F-0800AFF1A11B}" type="datetimeFigureOut">
               <a:rPr lang="zh-TW" altLang="en-US" smtClean="0"/>
-              <a:t>2019/4/30</a:t>
+              <a:t>2019/5/5</a:t>
             </a:fld>
             <a:endParaRPr lang="zh-TW" altLang="en-US"/>
           </a:p>
@@ -1013,7 +1015,7 @@
           <a:p>
             <a:fld id="{D0D967F9-9B9B-4F1E-992F-0800AFF1A11B}" type="datetimeFigureOut">
               <a:rPr lang="zh-TW" altLang="en-US" smtClean="0"/>
-              <a:t>2019/4/30</a:t>
+              <a:t>2019/5/5</a:t>
             </a:fld>
             <a:endParaRPr lang="zh-TW" altLang="en-US"/>
           </a:p>
@@ -1245,7 +1247,7 @@
           <a:p>
             <a:fld id="{D0D967F9-9B9B-4F1E-992F-0800AFF1A11B}" type="datetimeFigureOut">
               <a:rPr lang="zh-TW" altLang="en-US" smtClean="0"/>
-              <a:t>2019/4/30</a:t>
+              <a:t>2019/5/5</a:t>
             </a:fld>
             <a:endParaRPr lang="zh-TW" altLang="en-US"/>
           </a:p>
@@ -1612,7 +1614,7 @@
           <a:p>
             <a:fld id="{D0D967F9-9B9B-4F1E-992F-0800AFF1A11B}" type="datetimeFigureOut">
               <a:rPr lang="zh-TW" altLang="en-US" smtClean="0"/>
-              <a:t>2019/4/30</a:t>
+              <a:t>2019/5/5</a:t>
             </a:fld>
             <a:endParaRPr lang="zh-TW" altLang="en-US"/>
           </a:p>
@@ -1730,7 +1732,7 @@
           <a:p>
             <a:fld id="{D0D967F9-9B9B-4F1E-992F-0800AFF1A11B}" type="datetimeFigureOut">
               <a:rPr lang="zh-TW" altLang="en-US" smtClean="0"/>
-              <a:t>2019/4/30</a:t>
+              <a:t>2019/5/5</a:t>
             </a:fld>
             <a:endParaRPr lang="zh-TW" altLang="en-US"/>
           </a:p>
@@ -1825,7 +1827,7 @@
           <a:p>
             <a:fld id="{D0D967F9-9B9B-4F1E-992F-0800AFF1A11B}" type="datetimeFigureOut">
               <a:rPr lang="zh-TW" altLang="en-US" smtClean="0"/>
-              <a:t>2019/4/30</a:t>
+              <a:t>2019/5/5</a:t>
             </a:fld>
             <a:endParaRPr lang="zh-TW" altLang="en-US"/>
           </a:p>
@@ -2102,7 +2104,7 @@
           <a:p>
             <a:fld id="{D0D967F9-9B9B-4F1E-992F-0800AFF1A11B}" type="datetimeFigureOut">
               <a:rPr lang="zh-TW" altLang="en-US" smtClean="0"/>
-              <a:t>2019/4/30</a:t>
+              <a:t>2019/5/5</a:t>
             </a:fld>
             <a:endParaRPr lang="zh-TW" altLang="en-US"/>
           </a:p>
@@ -2355,7 +2357,7 @@
           <a:p>
             <a:fld id="{D0D967F9-9B9B-4F1E-992F-0800AFF1A11B}" type="datetimeFigureOut">
               <a:rPr lang="zh-TW" altLang="en-US" smtClean="0"/>
-              <a:t>2019/4/30</a:t>
+              <a:t>2019/5/5</a:t>
             </a:fld>
             <a:endParaRPr lang="zh-TW" altLang="en-US"/>
           </a:p>
@@ -2568,7 +2570,7 @@
           <a:p>
             <a:fld id="{D0D967F9-9B9B-4F1E-992F-0800AFF1A11B}" type="datetimeFigureOut">
               <a:rPr lang="zh-TW" altLang="en-US" smtClean="0"/>
-              <a:t>2019/4/30</a:t>
+              <a:t>2019/5/5</a:t>
             </a:fld>
             <a:endParaRPr lang="zh-TW" altLang="en-US"/>
           </a:p>
@@ -3005,11 +3007,7 @@
             </a:r>
             <a:r>
               <a:rPr lang="zh-TW" altLang="en-US" dirty="0" smtClean="0"/>
-              <a:t>十大</a:t>
-            </a:r>
-            <a:r>
-              <a:rPr lang="zh-TW" altLang="en-US" dirty="0" smtClean="0"/>
-              <a:t>易用性</a:t>
+              <a:t>十大易用性</a:t>
             </a:r>
             <a:endParaRPr lang="zh-TW" altLang="en-US" dirty="0"/>
           </a:p>
@@ -3804,6 +3802,402 @@
     <p:extLst>
       <p:ext uri="{BB962C8B-B14F-4D97-AF65-F5344CB8AC3E}">
         <p14:creationId xmlns:p14="http://schemas.microsoft.com/office/powerpoint/2010/main" val="3592941848"/>
+      </p:ext>
+    </p:extLst>
+  </p:cSld>
+  <p:clrMapOvr>
+    <a:masterClrMapping/>
+  </p:clrMapOvr>
+</p:sld>
+</file>
+
+<file path=ppt/slides/slide6.xml><?xml version="1.0" encoding="utf-8"?>
+<p:sld xmlns:a="http://schemas.openxmlformats.org/drawingml/2006/main" xmlns:r="http://schemas.openxmlformats.org/officeDocument/2006/relationships" xmlns:p="http://schemas.openxmlformats.org/presentationml/2006/main">
+  <p:cSld>
+    <p:spTree>
+      <p:nvGrpSpPr>
+        <p:cNvPr id="1" name=""/>
+        <p:cNvGrpSpPr/>
+        <p:nvPr/>
+      </p:nvGrpSpPr>
+      <p:grpSpPr>
+        <a:xfrm>
+          <a:off x="0" y="0"/>
+          <a:ext cx="0" cy="0"/>
+          <a:chOff x="0" y="0"/>
+          <a:chExt cx="0" cy="0"/>
+        </a:xfrm>
+      </p:grpSpPr>
+      <p:sp>
+        <p:nvSpPr>
+          <p:cNvPr id="5" name="文字方塊 4"/>
+          <p:cNvSpPr txBox="1"/>
+          <p:nvPr/>
+        </p:nvSpPr>
+        <p:spPr>
+          <a:xfrm>
+            <a:off x="641267" y="724395"/>
+            <a:ext cx="3877985" cy="646331"/>
+          </a:xfrm>
+          <a:prstGeom prst="rect">
+            <a:avLst/>
+          </a:prstGeom>
+          <a:noFill/>
+        </p:spPr>
+        <p:txBody>
+          <a:bodyPr wrap="none" rtlCol="0">
+            <a:spAutoFit/>
+          </a:bodyPr>
+          <a:lstStyle/>
+          <a:p>
+            <a:r>
+              <a:rPr lang="zh-TW" altLang="en-US" dirty="0">
+                <a:latin typeface="微軟正黑體" panose="020B0604030504040204" pitchFamily="34" charset="-120"/>
+                <a:ea typeface="微軟正黑體" panose="020B0604030504040204" pitchFamily="34" charset="-120"/>
+              </a:rPr>
+              <a:t>瀏覽頁</a:t>
+            </a:r>
+            <a:r>
+              <a:rPr lang="zh-TW" altLang="en-US" dirty="0" smtClean="0">
+                <a:latin typeface="微軟正黑體" panose="020B0604030504040204" pitchFamily="34" charset="-120"/>
+                <a:ea typeface="微軟正黑體" panose="020B0604030504040204" pitchFamily="34" charset="-120"/>
+              </a:rPr>
+              <a:t>面到底時，若要使用其他功能</a:t>
+            </a:r>
+            <a:endParaRPr lang="en-US" altLang="zh-TW" dirty="0" smtClean="0">
+              <a:latin typeface="微軟正黑體" panose="020B0604030504040204" pitchFamily="34" charset="-120"/>
+              <a:ea typeface="微軟正黑體" panose="020B0604030504040204" pitchFamily="34" charset="-120"/>
+            </a:endParaRPr>
+          </a:p>
+          <a:p>
+            <a:r>
+              <a:rPr lang="zh-TW" altLang="en-US" dirty="0" smtClean="0">
+                <a:latin typeface="微軟正黑體" panose="020B0604030504040204" pitchFamily="34" charset="-120"/>
+                <a:ea typeface="微軟正黑體" panose="020B0604030504040204" pitchFamily="34" charset="-120"/>
+              </a:rPr>
+              <a:t>需要往上滾多次，不方便</a:t>
+            </a:r>
+            <a:endParaRPr lang="en-US" altLang="zh-TW" dirty="0" smtClean="0">
+              <a:latin typeface="微軟正黑體" panose="020B0604030504040204" pitchFamily="34" charset="-120"/>
+              <a:ea typeface="微軟正黑體" panose="020B0604030504040204" pitchFamily="34" charset="-120"/>
+            </a:endParaRPr>
+          </a:p>
+        </p:txBody>
+      </p:sp>
+      <p:sp>
+        <p:nvSpPr>
+          <p:cNvPr id="6" name="文字方塊 5"/>
+          <p:cNvSpPr txBox="1"/>
+          <p:nvPr/>
+        </p:nvSpPr>
+        <p:spPr>
+          <a:xfrm>
+            <a:off x="641267" y="5095867"/>
+            <a:ext cx="1800493" cy="1200329"/>
+          </a:xfrm>
+          <a:prstGeom prst="rect">
+            <a:avLst/>
+          </a:prstGeom>
+          <a:noFill/>
+        </p:spPr>
+        <p:txBody>
+          <a:bodyPr wrap="none" rtlCol="0">
+            <a:spAutoFit/>
+          </a:bodyPr>
+          <a:lstStyle/>
+          <a:p>
+            <a:r>
+              <a:rPr lang="zh-TW" altLang="en-US" dirty="0" smtClean="0">
+                <a:latin typeface="微軟正黑體" panose="020B0604030504040204" pitchFamily="34" charset="-120"/>
+                <a:ea typeface="微軟正黑體" panose="020B0604030504040204" pitchFamily="34" charset="-120"/>
+              </a:rPr>
+              <a:t>解決方法：</a:t>
+            </a:r>
+            <a:endParaRPr lang="en-US" altLang="zh-TW" dirty="0" smtClean="0">
+              <a:latin typeface="微軟正黑體" panose="020B0604030504040204" pitchFamily="34" charset="-120"/>
+              <a:ea typeface="微軟正黑體" panose="020B0604030504040204" pitchFamily="34" charset="-120"/>
+            </a:endParaRPr>
+          </a:p>
+          <a:p>
+            <a:r>
+              <a:rPr lang="zh-TW" altLang="en-US" dirty="0" smtClean="0">
+                <a:latin typeface="微軟正黑體" panose="020B0604030504040204" pitchFamily="34" charset="-120"/>
+                <a:ea typeface="微軟正黑體" panose="020B0604030504040204" pitchFamily="34" charset="-120"/>
+              </a:rPr>
+              <a:t>增加回頂部按鈕</a:t>
+            </a:r>
+            <a:endParaRPr lang="en-US" altLang="zh-TW" dirty="0" smtClean="0">
+              <a:latin typeface="微軟正黑體" panose="020B0604030504040204" pitchFamily="34" charset="-120"/>
+              <a:ea typeface="微軟正黑體" panose="020B0604030504040204" pitchFamily="34" charset="-120"/>
+            </a:endParaRPr>
+          </a:p>
+          <a:p>
+            <a:r>
+              <a:rPr lang="zh-TW" altLang="en-US" dirty="0" smtClean="0">
+                <a:latin typeface="微軟正黑體" panose="020B0604030504040204" pitchFamily="34" charset="-120"/>
+                <a:ea typeface="微軟正黑體" panose="020B0604030504040204" pitchFamily="34" charset="-120"/>
+              </a:rPr>
+              <a:t>或</a:t>
+            </a:r>
+            <a:endParaRPr lang="en-US" altLang="zh-TW" dirty="0" smtClean="0">
+              <a:latin typeface="微軟正黑體" panose="020B0604030504040204" pitchFamily="34" charset="-120"/>
+              <a:ea typeface="微軟正黑體" panose="020B0604030504040204" pitchFamily="34" charset="-120"/>
+            </a:endParaRPr>
+          </a:p>
+          <a:p>
+            <a:r>
+              <a:rPr lang="zh-TW" altLang="en-US" dirty="0" smtClean="0">
+                <a:latin typeface="微軟正黑體" panose="020B0604030504040204" pitchFamily="34" charset="-120"/>
+                <a:ea typeface="微軟正黑體" panose="020B0604030504040204" pitchFamily="34" charset="-120"/>
+              </a:rPr>
+              <a:t>浮動的導覽列</a:t>
+            </a:r>
+            <a:endParaRPr lang="en-US" altLang="zh-TW" dirty="0" smtClean="0">
+              <a:latin typeface="微軟正黑體" panose="020B0604030504040204" pitchFamily="34" charset="-120"/>
+              <a:ea typeface="微軟正黑體" panose="020B0604030504040204" pitchFamily="34" charset="-120"/>
+            </a:endParaRPr>
+          </a:p>
+        </p:txBody>
+      </p:sp>
+      <p:pic>
+        <p:nvPicPr>
+          <p:cNvPr id="2" name="圖片 1"/>
+          <p:cNvPicPr>
+            <a:picLocks noChangeAspect="1"/>
+          </p:cNvPicPr>
+          <p:nvPr/>
+        </p:nvPicPr>
+        <p:blipFill>
+          <a:blip r:embed="rId2"/>
+          <a:stretch>
+            <a:fillRect/>
+          </a:stretch>
+        </p:blipFill>
+        <p:spPr>
+          <a:xfrm>
+            <a:off x="4635215" y="1370726"/>
+            <a:ext cx="6237368" cy="3034220"/>
+          </a:xfrm>
+          <a:prstGeom prst="rect">
+            <a:avLst/>
+          </a:prstGeom>
+        </p:spPr>
+      </p:pic>
+      <p:pic>
+        <p:nvPicPr>
+          <p:cNvPr id="3" name="圖片 2"/>
+          <p:cNvPicPr>
+            <a:picLocks noChangeAspect="1"/>
+          </p:cNvPicPr>
+          <p:nvPr/>
+        </p:nvPicPr>
+        <p:blipFill>
+          <a:blip r:embed="rId3"/>
+          <a:stretch>
+            <a:fillRect/>
+          </a:stretch>
+        </p:blipFill>
+        <p:spPr>
+          <a:xfrm>
+            <a:off x="2924132" y="4705797"/>
+            <a:ext cx="4071196" cy="1980467"/>
+          </a:xfrm>
+          <a:prstGeom prst="rect">
+            <a:avLst/>
+          </a:prstGeom>
+        </p:spPr>
+      </p:pic>
+      <p:pic>
+        <p:nvPicPr>
+          <p:cNvPr id="4" name="圖片 3"/>
+          <p:cNvPicPr>
+            <a:picLocks noChangeAspect="1"/>
+          </p:cNvPicPr>
+          <p:nvPr/>
+        </p:nvPicPr>
+        <p:blipFill>
+          <a:blip r:embed="rId4"/>
+          <a:stretch>
+            <a:fillRect/>
+          </a:stretch>
+        </p:blipFill>
+        <p:spPr>
+          <a:xfrm>
+            <a:off x="7652298" y="4705797"/>
+            <a:ext cx="4071195" cy="1980467"/>
+          </a:xfrm>
+          <a:prstGeom prst="rect">
+            <a:avLst/>
+          </a:prstGeom>
+        </p:spPr>
+      </p:pic>
+    </p:spTree>
+    <p:extLst>
+      <p:ext uri="{BB962C8B-B14F-4D97-AF65-F5344CB8AC3E}">
+        <p14:creationId xmlns:p14="http://schemas.microsoft.com/office/powerpoint/2010/main" val="2512915264"/>
+      </p:ext>
+    </p:extLst>
+  </p:cSld>
+  <p:clrMapOvr>
+    <a:masterClrMapping/>
+  </p:clrMapOvr>
+</p:sld>
+</file>
+
+<file path=ppt/slides/slide7.xml><?xml version="1.0" encoding="utf-8"?>
+<p:sld xmlns:a="http://schemas.openxmlformats.org/drawingml/2006/main" xmlns:r="http://schemas.openxmlformats.org/officeDocument/2006/relationships" xmlns:p="http://schemas.openxmlformats.org/presentationml/2006/main">
+  <p:cSld>
+    <p:spTree>
+      <p:nvGrpSpPr>
+        <p:cNvPr id="1" name=""/>
+        <p:cNvGrpSpPr/>
+        <p:nvPr/>
+      </p:nvGrpSpPr>
+      <p:grpSpPr>
+        <a:xfrm>
+          <a:off x="0" y="0"/>
+          <a:ext cx="0" cy="0"/>
+          <a:chOff x="0" y="0"/>
+          <a:chExt cx="0" cy="0"/>
+        </a:xfrm>
+      </p:grpSpPr>
+      <p:sp>
+        <p:nvSpPr>
+          <p:cNvPr id="5" name="文字方塊 4"/>
+          <p:cNvSpPr txBox="1"/>
+          <p:nvPr/>
+        </p:nvSpPr>
+        <p:spPr>
+          <a:xfrm>
+            <a:off x="641267" y="724395"/>
+            <a:ext cx="2954655" cy="369332"/>
+          </a:xfrm>
+          <a:prstGeom prst="rect">
+            <a:avLst/>
+          </a:prstGeom>
+          <a:noFill/>
+        </p:spPr>
+        <p:txBody>
+          <a:bodyPr wrap="none" rtlCol="0">
+            <a:spAutoFit/>
+          </a:bodyPr>
+          <a:lstStyle/>
+          <a:p>
+            <a:r>
+              <a:rPr lang="zh-TW" altLang="en-US" dirty="0" smtClean="0">
+                <a:latin typeface="微軟正黑體" panose="020B0604030504040204" pitchFamily="34" charset="-120"/>
+                <a:ea typeface="微軟正黑體" panose="020B0604030504040204" pitchFamily="34" charset="-120"/>
+              </a:rPr>
+              <a:t>圖片載入太慢，讓人不耐煩</a:t>
+            </a:r>
+            <a:endParaRPr lang="en-US" altLang="zh-TW" dirty="0" smtClean="0">
+              <a:latin typeface="微軟正黑體" panose="020B0604030504040204" pitchFamily="34" charset="-120"/>
+              <a:ea typeface="微軟正黑體" panose="020B0604030504040204" pitchFamily="34" charset="-120"/>
+            </a:endParaRPr>
+          </a:p>
+        </p:txBody>
+      </p:sp>
+      <p:sp>
+        <p:nvSpPr>
+          <p:cNvPr id="6" name="文字方塊 5"/>
+          <p:cNvSpPr txBox="1"/>
+          <p:nvPr/>
+        </p:nvSpPr>
+        <p:spPr>
+          <a:xfrm>
+            <a:off x="641267" y="5095867"/>
+            <a:ext cx="3185487" cy="646331"/>
+          </a:xfrm>
+          <a:prstGeom prst="rect">
+            <a:avLst/>
+          </a:prstGeom>
+          <a:noFill/>
+        </p:spPr>
+        <p:txBody>
+          <a:bodyPr wrap="none" rtlCol="0">
+            <a:spAutoFit/>
+          </a:bodyPr>
+          <a:lstStyle/>
+          <a:p>
+            <a:r>
+              <a:rPr lang="zh-TW" altLang="en-US" dirty="0" smtClean="0">
+                <a:latin typeface="微軟正黑體" panose="020B0604030504040204" pitchFamily="34" charset="-120"/>
+                <a:ea typeface="微軟正黑體" panose="020B0604030504040204" pitchFamily="34" charset="-120"/>
+              </a:rPr>
+              <a:t>解決方法：</a:t>
+            </a:r>
+            <a:endParaRPr lang="en-US" altLang="zh-TW" dirty="0" smtClean="0">
+              <a:latin typeface="微軟正黑體" panose="020B0604030504040204" pitchFamily="34" charset="-120"/>
+              <a:ea typeface="微軟正黑體" panose="020B0604030504040204" pitchFamily="34" charset="-120"/>
+            </a:endParaRPr>
+          </a:p>
+          <a:p>
+            <a:r>
+              <a:rPr lang="zh-TW" altLang="en-US" dirty="0" smtClean="0">
+                <a:latin typeface="微軟正黑體" panose="020B0604030504040204" pitchFamily="34" charset="-120"/>
+                <a:ea typeface="微軟正黑體" panose="020B0604030504040204" pitchFamily="34" charset="-120"/>
+              </a:rPr>
+              <a:t>縮小圖片大小，提高載入速度</a:t>
+            </a:r>
+            <a:endParaRPr lang="en-US" altLang="zh-TW" dirty="0" smtClean="0">
+              <a:latin typeface="微軟正黑體" panose="020B0604030504040204" pitchFamily="34" charset="-120"/>
+              <a:ea typeface="微軟正黑體" panose="020B0604030504040204" pitchFamily="34" charset="-120"/>
+            </a:endParaRPr>
+          </a:p>
+        </p:txBody>
+      </p:sp>
+      <p:pic>
+        <p:nvPicPr>
+          <p:cNvPr id="7" name="圖片 6"/>
+          <p:cNvPicPr>
+            <a:picLocks noChangeAspect="1"/>
+          </p:cNvPicPr>
+          <p:nvPr/>
+        </p:nvPicPr>
+        <p:blipFill>
+          <a:blip r:embed="rId2"/>
+          <a:stretch>
+            <a:fillRect/>
+          </a:stretch>
+        </p:blipFill>
+        <p:spPr>
+          <a:xfrm>
+            <a:off x="5404403" y="602298"/>
+            <a:ext cx="6147518" cy="3787770"/>
+          </a:xfrm>
+          <a:prstGeom prst="rect">
+            <a:avLst/>
+          </a:prstGeom>
+        </p:spPr>
+      </p:pic>
+      <p:pic>
+        <p:nvPicPr>
+          <p:cNvPr id="8" name="圖片 7"/>
+          <p:cNvPicPr>
+            <a:picLocks noChangeAspect="1"/>
+          </p:cNvPicPr>
+          <p:nvPr/>
+        </p:nvPicPr>
+        <p:blipFill>
+          <a:blip r:embed="rId3"/>
+          <a:stretch>
+            <a:fillRect/>
+          </a:stretch>
+        </p:blipFill>
+        <p:spPr>
+          <a:xfrm>
+            <a:off x="5404403" y="4574223"/>
+            <a:ext cx="2957277" cy="1947230"/>
+          </a:xfrm>
+          <a:prstGeom prst="rect">
+            <a:avLst/>
+          </a:prstGeom>
+        </p:spPr>
+      </p:pic>
+    </p:spTree>
+    <p:extLst>
+      <p:ext uri="{BB962C8B-B14F-4D97-AF65-F5344CB8AC3E}">
+        <p14:creationId xmlns:p14="http://schemas.microsoft.com/office/powerpoint/2010/main" val="2110939895"/>
       </p:ext>
     </p:extLst>
   </p:cSld>
